--- a/SESIoN Proposal.pptx
+++ b/SESIoN Proposal.pptx
@@ -256,7 +256,7 @@
           <a:p>
             <a:fld id="{6E5C0719-993D-42E1-80ED-8F01056F36C2}" type="datetimeFigureOut">
               <a:rPr lang="en-US" smtClean="0"/>
-              <a:t>10/7/20</a:t>
+              <a:t>10/8/20</a:t>
             </a:fld>
             <a:endParaRPr lang="en-US" dirty="0"/>
           </a:p>
@@ -433,7 +433,7 @@
           <a:p>
             <a:fld id="{21D3BC9C-6C58-464F-B94E-FD73C5FB016E}" type="datetimeFigureOut">
               <a:rPr lang="en-US" smtClean="0"/>
-              <a:t>10/7/20</a:t>
+              <a:t>10/8/20</a:t>
             </a:fld>
             <a:endParaRPr lang="en-US" dirty="0"/>
           </a:p>
@@ -1771,7 +1771,7 @@
           <a:p>
             <a:fld id="{40DA1498-92C7-4E4B-8045-C9195F453964}" type="datetimeFigureOut">
               <a:rPr lang="en-US" smtClean="0"/>
-              <a:t>10/7/20</a:t>
+              <a:t>10/8/20</a:t>
             </a:fld>
             <a:endParaRPr lang="en-US" dirty="0"/>
           </a:p>
@@ -1969,7 +1969,7 @@
           <a:p>
             <a:fld id="{40DA1498-92C7-4E4B-8045-C9195F453964}" type="datetimeFigureOut">
               <a:rPr lang="en-US" smtClean="0"/>
-              <a:t>10/7/20</a:t>
+              <a:t>10/8/20</a:t>
             </a:fld>
             <a:endParaRPr lang="en-US" dirty="0"/>
           </a:p>
@@ -2177,7 +2177,7 @@
           <a:p>
             <a:fld id="{40DA1498-92C7-4E4B-8045-C9195F453964}" type="datetimeFigureOut">
               <a:rPr lang="en-US" smtClean="0"/>
-              <a:t>10/7/20</a:t>
+              <a:t>10/8/20</a:t>
             </a:fld>
             <a:endParaRPr lang="en-US" dirty="0"/>
           </a:p>
@@ -2375,7 +2375,7 @@
           <a:p>
             <a:fld id="{40DA1498-92C7-4E4B-8045-C9195F453964}" type="datetimeFigureOut">
               <a:rPr lang="en-US" smtClean="0"/>
-              <a:t>10/7/20</a:t>
+              <a:t>10/8/20</a:t>
             </a:fld>
             <a:endParaRPr lang="en-US" dirty="0"/>
           </a:p>
@@ -2650,7 +2650,7 @@
           <a:p>
             <a:fld id="{40DA1498-92C7-4E4B-8045-C9195F453964}" type="datetimeFigureOut">
               <a:rPr lang="en-US" smtClean="0"/>
-              <a:t>10/7/20</a:t>
+              <a:t>10/8/20</a:t>
             </a:fld>
             <a:endParaRPr lang="en-US" dirty="0"/>
           </a:p>
@@ -2915,7 +2915,7 @@
           <a:p>
             <a:fld id="{40DA1498-92C7-4E4B-8045-C9195F453964}" type="datetimeFigureOut">
               <a:rPr lang="en-US" smtClean="0"/>
-              <a:t>10/7/20</a:t>
+              <a:t>10/8/20</a:t>
             </a:fld>
             <a:endParaRPr lang="en-US" dirty="0"/>
           </a:p>
@@ -3327,7 +3327,7 @@
           <a:p>
             <a:fld id="{40DA1498-92C7-4E4B-8045-C9195F453964}" type="datetimeFigureOut">
               <a:rPr lang="en-US" smtClean="0"/>
-              <a:t>10/7/20</a:t>
+              <a:t>10/8/20</a:t>
             </a:fld>
             <a:endParaRPr lang="en-US" dirty="0"/>
           </a:p>
@@ -3468,7 +3468,7 @@
           <a:p>
             <a:fld id="{40DA1498-92C7-4E4B-8045-C9195F453964}" type="datetimeFigureOut">
               <a:rPr lang="en-US" smtClean="0"/>
-              <a:t>10/7/20</a:t>
+              <a:t>10/8/20</a:t>
             </a:fld>
             <a:endParaRPr lang="en-US" dirty="0"/>
           </a:p>
@@ -3581,7 +3581,7 @@
           <a:p>
             <a:fld id="{40DA1498-92C7-4E4B-8045-C9195F453964}" type="datetimeFigureOut">
               <a:rPr lang="en-US" smtClean="0"/>
-              <a:t>10/7/20</a:t>
+              <a:t>10/8/20</a:t>
             </a:fld>
             <a:endParaRPr lang="en-US" dirty="0"/>
           </a:p>
@@ -3892,7 +3892,7 @@
           <a:p>
             <a:fld id="{40DA1498-92C7-4E4B-8045-C9195F453964}" type="datetimeFigureOut">
               <a:rPr lang="en-US" smtClean="0"/>
-              <a:t>10/7/20</a:t>
+              <a:t>10/8/20</a:t>
             </a:fld>
             <a:endParaRPr lang="en-US" dirty="0"/>
           </a:p>
@@ -4184,7 +4184,7 @@
           <a:p>
             <a:fld id="{40DA1498-92C7-4E4B-8045-C9195F453964}" type="datetimeFigureOut">
               <a:rPr lang="en-US" smtClean="0"/>
-              <a:t>10/7/20</a:t>
+              <a:t>10/8/20</a:t>
             </a:fld>
             <a:endParaRPr lang="en-US" dirty="0"/>
           </a:p>
@@ -4425,7 +4425,7 @@
           <a:p>
             <a:fld id="{40DA1498-92C7-4E4B-8045-C9195F453964}" type="datetimeFigureOut">
               <a:rPr lang="en-US" smtClean="0"/>
-              <a:t>10/7/20</a:t>
+              <a:t>10/8/20</a:t>
             </a:fld>
             <a:endParaRPr lang="en-US" dirty="0"/>
           </a:p>
@@ -6567,8 +6567,8 @@
           </a:fontRef>
         </p:style>
       </p:cxnSp>
-      <mc:AlternateContent xmlns:mc="http://schemas.openxmlformats.org/markup-compatibility/2006">
-        <mc:Choice xmlns:a14="http://schemas.microsoft.com/office/drawing/2010/main" Requires="a14">
+      <mc:AlternateContent xmlns:mc="http://schemas.openxmlformats.org/markup-compatibility/2006" xmlns:a14="http://schemas.microsoft.com/office/drawing/2010/main">
+        <mc:Choice Requires="a14">
           <p:sp>
             <p:nvSpPr>
               <p:cNvPr id="10" name="Rectangle 9">
@@ -7161,7 +7161,7 @@
             </p:txBody>
           </p:sp>
         </mc:Choice>
-        <mc:Fallback>
+        <mc:Fallback xmlns="">
           <p:sp>
             <p:nvSpPr>
               <p:cNvPr id="10" name="Rectangle 9">
@@ -7633,7 +7633,7 @@
               <a:rPr lang="en-US" dirty="0">
                 <a:cs typeface="Segoe UI" panose="020B0502040204020203" pitchFamily="34" charset="0"/>
               </a:rPr>
-              <a:t>, Ben and </a:t>
+              <a:t>, Ben, </a:t>
             </a:r>
             <a:r>
               <a:rPr lang="en-US" dirty="0" err="1">
@@ -7641,9 +7641,12 @@
               </a:rPr>
               <a:t>Shitij</a:t>
             </a:r>
-            <a:endParaRPr lang="en-US" dirty="0">
-              <a:cs typeface="Segoe UI" panose="020B0502040204020203" pitchFamily="34" charset="0"/>
-            </a:endParaRPr>
+            <a:r>
+              <a:rPr lang="en-US" dirty="0">
+                <a:cs typeface="Segoe UI" panose="020B0502040204020203" pitchFamily="34" charset="0"/>
+              </a:rPr>
+              <a:t>, Dave, and Nick (whole team)</a:t>
+            </a:r>
           </a:p>
           <a:p>
             <a:pPr marL="285750" indent="-285750">
@@ -7946,7 +7949,7 @@
                 </a:solidFill>
                 <a:cs typeface="Segoe UI" panose="020B0502040204020203" pitchFamily="34" charset="0"/>
               </a:rPr>
-              <a:t>1,2</a:t>
+              <a:t>1,2,5,6,7</a:t>
             </a:r>
             <a:endParaRPr lang="en-US" dirty="0">
               <a:solidFill>
@@ -7994,7 +7997,31 @@
                 </a:solidFill>
                 <a:cs typeface="Segoe UI" panose="020B0502040204020203" pitchFamily="34" charset="0"/>
               </a:rPr>
-              <a:t>Research on SES and academic performance is heavily academic and utilizes classical statistical techniques – by applying modernized machine learning techniques and interactive data visualization, we will improve the insights into the relationships between SES and academic performance</a:t>
+              <a:t>Research on SES and academic performance is heavily academic and utilizes classical statistical techniques</a:t>
+            </a:r>
+            <a:r>
+              <a:rPr lang="en-US" baseline="30000" dirty="0">
+                <a:solidFill>
+                  <a:schemeClr val="tx1">
+                    <a:lumMod val="75000"/>
+                    <a:lumOff val="25000"/>
+                  </a:schemeClr>
+                </a:solidFill>
+                <a:cs typeface="Segoe UI" panose="020B0502040204020203" pitchFamily="34" charset="0"/>
+              </a:rPr>
+              <a:t>3,4</a:t>
+            </a:r>
+            <a:r>
+              <a:rPr lang="en-US" dirty="0">
+                <a:solidFill>
+                  <a:schemeClr val="tx1">
+                    <a:lumMod val="75000"/>
+                    <a:lumOff val="25000"/>
+                  </a:schemeClr>
+                </a:solidFill>
+                <a:cs typeface="Segoe UI" panose="020B0502040204020203" pitchFamily="34" charset="0"/>
+              </a:rPr>
+              <a:t> – by applying modernized machine learning techniques and interactive data visualization, we will improve the insights into the relationships between SES and academic performance</a:t>
             </a:r>
           </a:p>
           <a:p>
@@ -24701,7 +24728,7 @@
                 </a:solidFill>
                 <a:cs typeface="Segoe UI" panose="020B0502040204020203" pitchFamily="34" charset="0"/>
               </a:rPr>
-              <a:t>SES is typically measured by factors such as</a:t>
+              <a:t>SES is typically measured by factors such as:</a:t>
             </a:r>
             <a:r>
               <a:rPr lang="en-US" baseline="30000" dirty="0">
@@ -24715,18 +24742,15 @@
               </a:rPr>
               <a:t>2</a:t>
             </a:r>
-            <a:r>
-              <a:rPr lang="en-US" dirty="0">
-                <a:solidFill>
-                  <a:schemeClr val="tx1">
-                    <a:lumMod val="75000"/>
-                    <a:lumOff val="25000"/>
-                  </a:schemeClr>
-                </a:solidFill>
-                <a:cs typeface="Segoe UI" panose="020B0502040204020203" pitchFamily="34" charset="0"/>
-              </a:rPr>
-              <a:t>:</a:t>
-            </a:r>
+            <a:endParaRPr lang="en-US" dirty="0">
+              <a:solidFill>
+                <a:schemeClr val="tx1">
+                  <a:lumMod val="75000"/>
+                  <a:lumOff val="25000"/>
+                </a:schemeClr>
+              </a:solidFill>
+              <a:cs typeface="Segoe UI" panose="020B0502040204020203" pitchFamily="34" charset="0"/>
+            </a:endParaRPr>
           </a:p>
           <a:p>
             <a:pPr marL="742950" lvl="1" indent="-285750">
@@ -24848,7 +24872,7 @@
                 </a:solidFill>
                 <a:cs typeface="Segoe UI" panose="020B0502040204020203" pitchFamily="34" charset="0"/>
               </a:rPr>
-              <a:t>Academic performance is typically measured by</a:t>
+              <a:t>Academic performance is typically measured by:</a:t>
             </a:r>
             <a:r>
               <a:rPr lang="en-US" baseline="30000" dirty="0">
@@ -24862,18 +24886,15 @@
               </a:rPr>
               <a:t>2</a:t>
             </a:r>
-            <a:r>
-              <a:rPr lang="en-US" dirty="0">
-                <a:solidFill>
-                  <a:schemeClr val="tx1">
-                    <a:lumMod val="75000"/>
-                    <a:lumOff val="25000"/>
-                  </a:schemeClr>
-                </a:solidFill>
-                <a:cs typeface="Segoe UI" panose="020B0502040204020203" pitchFamily="34" charset="0"/>
-              </a:rPr>
-              <a:t>:</a:t>
-            </a:r>
+            <a:endParaRPr lang="en-US" dirty="0">
+              <a:solidFill>
+                <a:schemeClr val="tx1">
+                  <a:lumMod val="75000"/>
+                  <a:lumOff val="25000"/>
+                </a:schemeClr>
+              </a:solidFill>
+              <a:cs typeface="Segoe UI" panose="020B0502040204020203" pitchFamily="34" charset="0"/>
+            </a:endParaRPr>
           </a:p>
           <a:p>
             <a:pPr marL="742950" lvl="1" indent="-285750">
@@ -25766,7 +25787,7 @@
         <p:spPr>
           <a:xfrm>
             <a:off x="228600" y="1486891"/>
-            <a:ext cx="11596125" cy="2192908"/>
+            <a:ext cx="11596125" cy="2436564"/>
           </a:xfrm>
           <a:prstGeom prst="rect">
             <a:avLst/>
@@ -25834,7 +25855,7 @@
                 </a:solidFill>
                 <a:cs typeface="Segoe UI" panose="020B0502040204020203" pitchFamily="34" charset="0"/>
               </a:rPr>
-              <a:t>Parents, teachers, school administrators, lawmakers, and concerned citizens will find this project informative and influential in regards to financial decisions and budgeting to achieve high levels of academic performance</a:t>
+              <a:t>Health-minded citizens, parents, teachers, school administrators, researchers and lawmakers will find this project informative and influential in regards to financial decisions and budgeting to achieve high levels of academic performance</a:t>
             </a:r>
             <a:r>
               <a:rPr lang="en-US" baseline="30000" dirty="0">
@@ -25846,7 +25867,7 @@
                 </a:solidFill>
                 <a:cs typeface="Segoe UI" panose="020B0502040204020203" pitchFamily="34" charset="0"/>
               </a:rPr>
-              <a:t>1,10</a:t>
+              <a:t>1,8,10</a:t>
             </a:r>
             <a:endParaRPr lang="en-US" dirty="0">
               <a:solidFill>
@@ -27512,6 +27533,23 @@
 </file>
 
 <file path=customXml/item1.xml><?xml version="1.0" encoding="utf-8"?>
+<?mso-contentType ?>
+<FormTemplates xmlns="http://schemas.microsoft.com/sharepoint/v3/contenttype/forms">
+  <Display>DocumentLibraryForm</Display>
+  <Edit>DocumentLibraryForm</Edit>
+  <New>DocumentLibraryForm</New>
+</FormTemplates>
+</file>
+
+<file path=customXml/item2.xml><?xml version="1.0" encoding="utf-8"?>
+<p:properties xmlns:p="http://schemas.microsoft.com/office/2006/metadata/properties" xmlns:xsi="http://www.w3.org/2001/XMLSchema-instance" xmlns:pc="http://schemas.microsoft.com/office/infopath/2007/PartnerControls">
+  <documentManagement>
+    <MediaServiceKeyPoints xmlns="71af3243-3dd4-4a8d-8c0d-dd76da1f02a5" xsi:nil="true"/>
+  </documentManagement>
+</p:properties>
+</file>
+
+<file path=customXml/item3.xml><?xml version="1.0" encoding="utf-8"?>
 <ct:contentTypeSchema xmlns:ct="http://schemas.microsoft.com/office/2006/metadata/contentType" xmlns:ma="http://schemas.microsoft.com/office/2006/metadata/properties/metaAttributes" ct:_="" ma:_="" ma:contentTypeName="Document" ma:contentTypeID="0x01010079F111ED35F8CC479449609E8A0923A6" ma:contentTypeVersion="11" ma:contentTypeDescription="Create a new document." ma:contentTypeScope="" ma:versionID="9677210f24a1be23c92c90fd886aa0aa">
   <xsd:schema xmlns:xsd="http://www.w3.org/2001/XMLSchema" xmlns:xs="http://www.w3.org/2001/XMLSchema" xmlns:p="http://schemas.microsoft.com/office/2006/metadata/properties" xmlns:ns2="71af3243-3dd4-4a8d-8c0d-dd76da1f02a5" xmlns:ns3="16c05727-aa75-4e4a-9b5f-8a80a1165891" targetNamespace="http://schemas.microsoft.com/office/2006/metadata/properties" ma:root="true" ma:fieldsID="60e05723c5c1908df1a1a4ebf11d344e" ns2:_="" ns3:_="">
     <xsd:import namespace="71af3243-3dd4-4a8d-8c0d-dd76da1f02a5"/>
@@ -27722,24 +27760,25 @@
 </ct:contentTypeSchema>
 </file>
 
-<file path=customXml/item2.xml><?xml version="1.0" encoding="utf-8"?>
-<p:properties xmlns:p="http://schemas.microsoft.com/office/2006/metadata/properties" xmlns:xsi="http://www.w3.org/2001/XMLSchema-instance" xmlns:pc="http://schemas.microsoft.com/office/infopath/2007/PartnerControls">
-  <documentManagement>
-    <MediaServiceKeyPoints xmlns="71af3243-3dd4-4a8d-8c0d-dd76da1f02a5" xsi:nil="true"/>
-  </documentManagement>
-</p:properties>
+<file path=customXml/itemProps1.xml><?xml version="1.0" encoding="utf-8"?>
+<ds:datastoreItem xmlns:ds="http://schemas.openxmlformats.org/officeDocument/2006/customXml" ds:itemID="{2FD05317-60D6-4B3A-8545-888496D1A8EC}">
+  <ds:schemaRefs>
+    <ds:schemaRef ds:uri="http://schemas.microsoft.com/sharepoint/v3/contenttype/forms"/>
+  </ds:schemaRefs>
+</ds:datastoreItem>
 </file>
 
-<file path=customXml/item3.xml><?xml version="1.0" encoding="utf-8"?>
-<?mso-contentType ?>
-<FormTemplates xmlns="http://schemas.microsoft.com/sharepoint/v3/contenttype/forms">
-  <Display>DocumentLibraryForm</Display>
-  <Edit>DocumentLibraryForm</Edit>
-  <New>DocumentLibraryForm</New>
-</FormTemplates>
+<file path=customXml/itemProps2.xml><?xml version="1.0" encoding="utf-8"?>
+<ds:datastoreItem xmlns:ds="http://schemas.openxmlformats.org/officeDocument/2006/customXml" ds:itemID="{EF609EDA-869E-4BE5-AE5D-B898C584B6FF}">
+  <ds:schemaRefs>
+    <ds:schemaRef ds:uri="http://schemas.microsoft.com/office/2006/metadata/properties"/>
+    <ds:schemaRef ds:uri="http://schemas.microsoft.com/office/infopath/2007/PartnerControls"/>
+    <ds:schemaRef ds:uri="71af3243-3dd4-4a8d-8c0d-dd76da1f02a5"/>
+  </ds:schemaRefs>
+</ds:datastoreItem>
 </file>
 
-<file path=customXml/itemProps1.xml><?xml version="1.0" encoding="utf-8"?>
+<file path=customXml/itemProps3.xml><?xml version="1.0" encoding="utf-8"?>
 <ds:datastoreItem xmlns:ds="http://schemas.openxmlformats.org/officeDocument/2006/customXml" ds:itemID="{61A00BBF-EEBB-4E18-B8CB-F926EAAC48F7}">
   <ds:schemaRefs>
     <ds:schemaRef ds:uri="http://schemas.microsoft.com/office/2006/metadata/contentType"/>
@@ -27756,22 +27795,4 @@
     <ds:schemaRef ds:uri="http://schemas.microsoft.com/internal/obd"/>
   </ds:schemaRefs>
 </ds:datastoreItem>
-</file>
-
-<file path=customXml/itemProps2.xml><?xml version="1.0" encoding="utf-8"?>
-<ds:datastoreItem xmlns:ds="http://schemas.openxmlformats.org/officeDocument/2006/customXml" ds:itemID="{EF609EDA-869E-4BE5-AE5D-B898C584B6FF}">
-  <ds:schemaRefs>
-    <ds:schemaRef ds:uri="http://schemas.microsoft.com/office/2006/metadata/properties"/>
-    <ds:schemaRef ds:uri="http://schemas.microsoft.com/office/infopath/2007/PartnerControls"/>
-    <ds:schemaRef ds:uri="71af3243-3dd4-4a8d-8c0d-dd76da1f02a5"/>
-  </ds:schemaRefs>
-</ds:datastoreItem>
-</file>
-
-<file path=customXml/itemProps3.xml><?xml version="1.0" encoding="utf-8"?>
-<ds:datastoreItem xmlns:ds="http://schemas.openxmlformats.org/officeDocument/2006/customXml" ds:itemID="{2FD05317-60D6-4B3A-8545-888496D1A8EC}">
-  <ds:schemaRefs>
-    <ds:schemaRef ds:uri="http://schemas.microsoft.com/sharepoint/v3/contenttype/forms"/>
-  </ds:schemaRefs>
-</ds:datastoreItem>
 </file>
--- a/SESIoN Proposal.pptx
+++ b/SESIoN Proposal.pptx
@@ -5,10 +5,10 @@
     <p:sldMasterId id="2147483648" r:id="rId4"/>
   </p:sldMasterIdLst>
   <p:notesMasterIdLst>
-    <p:notesMasterId r:id="rId16"/>
+    <p:notesMasterId r:id="rId18"/>
   </p:notesMasterIdLst>
   <p:handoutMasterIdLst>
-    <p:handoutMasterId r:id="rId17"/>
+    <p:handoutMasterId r:id="rId19"/>
   </p:handoutMasterIdLst>
   <p:sldIdLst>
     <p:sldId id="256" r:id="rId5"/>
@@ -22,6 +22,8 @@
     <p:sldId id="292" r:id="rId13"/>
     <p:sldId id="293" r:id="rId14"/>
     <p:sldId id="297" r:id="rId15"/>
+    <p:sldId id="300" r:id="rId16"/>
+    <p:sldId id="301" r:id="rId17"/>
   </p:sldIdLst>
   <p:sldSz cx="12192000" cy="6858000"/>
   <p:notesSz cx="6858000" cy="9144000"/>
@@ -943,6 +945,174 @@
     <p:extLst>
       <p:ext uri="{BB962C8B-B14F-4D97-AF65-F5344CB8AC3E}">
         <p14:creationId xmlns:p14="http://schemas.microsoft.com/office/powerpoint/2010/main" val="3705820430"/>
+      </p:ext>
+    </p:extLst>
+  </p:cSld>
+  <p:clrMapOvr>
+    <a:masterClrMapping/>
+  </p:clrMapOvr>
+</p:notes>
+</file>
+
+<file path=ppt/notesSlides/notesSlide12.xml><?xml version="1.0" encoding="utf-8"?>
+<p:notes xmlns:a="http://schemas.openxmlformats.org/drawingml/2006/main" xmlns:r="http://schemas.openxmlformats.org/officeDocument/2006/relationships" xmlns:p="http://schemas.openxmlformats.org/presentationml/2006/main">
+  <p:cSld>
+    <p:spTree>
+      <p:nvGrpSpPr>
+        <p:cNvPr id="1" name=""/>
+        <p:cNvGrpSpPr/>
+        <p:nvPr/>
+      </p:nvGrpSpPr>
+      <p:grpSpPr>
+        <a:xfrm>
+          <a:off x="0" y="0"/>
+          <a:ext cx="0" cy="0"/>
+          <a:chOff x="0" y="0"/>
+          <a:chExt cx="0" cy="0"/>
+        </a:xfrm>
+      </p:grpSpPr>
+      <p:sp>
+        <p:nvSpPr>
+          <p:cNvPr id="2" name="Slide Image Placeholder 1"/>
+          <p:cNvSpPr>
+            <a:spLocks noGrp="1" noRot="1" noChangeAspect="1"/>
+          </p:cNvSpPr>
+          <p:nvPr>
+            <p:ph type="sldImg"/>
+          </p:nvPr>
+        </p:nvSpPr>
+        <p:spPr/>
+      </p:sp>
+      <p:sp>
+        <p:nvSpPr>
+          <p:cNvPr id="3" name="Notes Placeholder 2"/>
+          <p:cNvSpPr>
+            <a:spLocks noGrp="1"/>
+          </p:cNvSpPr>
+          <p:nvPr>
+            <p:ph type="body" idx="1"/>
+          </p:nvPr>
+        </p:nvSpPr>
+        <p:spPr/>
+        <p:txBody>
+          <a:bodyPr/>
+          <a:lstStyle/>
+          <a:p>
+            <a:endParaRPr lang="en-US" dirty="0"/>
+          </a:p>
+        </p:txBody>
+      </p:sp>
+      <p:sp>
+        <p:nvSpPr>
+          <p:cNvPr id="4" name="Slide Number Placeholder 3"/>
+          <p:cNvSpPr>
+            <a:spLocks noGrp="1"/>
+          </p:cNvSpPr>
+          <p:nvPr>
+            <p:ph type="sldNum" sz="quarter" idx="5"/>
+          </p:nvPr>
+        </p:nvSpPr>
+        <p:spPr/>
+        <p:txBody>
+          <a:bodyPr/>
+          <a:lstStyle/>
+          <a:p>
+            <a:fld id="{BE60DC36-8EFA-4378-9855-E019C55AC472}" type="slidenum">
+              <a:rPr lang="en-US" smtClean="0"/>
+              <a:t>12</a:t>
+            </a:fld>
+            <a:endParaRPr lang="en-US" dirty="0"/>
+          </a:p>
+        </p:txBody>
+      </p:sp>
+    </p:spTree>
+    <p:extLst>
+      <p:ext uri="{BB962C8B-B14F-4D97-AF65-F5344CB8AC3E}">
+        <p14:creationId xmlns:p14="http://schemas.microsoft.com/office/powerpoint/2010/main" val="1883166955"/>
+      </p:ext>
+    </p:extLst>
+  </p:cSld>
+  <p:clrMapOvr>
+    <a:masterClrMapping/>
+  </p:clrMapOvr>
+</p:notes>
+</file>
+
+<file path=ppt/notesSlides/notesSlide13.xml><?xml version="1.0" encoding="utf-8"?>
+<p:notes xmlns:a="http://schemas.openxmlformats.org/drawingml/2006/main" xmlns:r="http://schemas.openxmlformats.org/officeDocument/2006/relationships" xmlns:p="http://schemas.openxmlformats.org/presentationml/2006/main">
+  <p:cSld>
+    <p:spTree>
+      <p:nvGrpSpPr>
+        <p:cNvPr id="1" name=""/>
+        <p:cNvGrpSpPr/>
+        <p:nvPr/>
+      </p:nvGrpSpPr>
+      <p:grpSpPr>
+        <a:xfrm>
+          <a:off x="0" y="0"/>
+          <a:ext cx="0" cy="0"/>
+          <a:chOff x="0" y="0"/>
+          <a:chExt cx="0" cy="0"/>
+        </a:xfrm>
+      </p:grpSpPr>
+      <p:sp>
+        <p:nvSpPr>
+          <p:cNvPr id="2" name="Slide Image Placeholder 1"/>
+          <p:cNvSpPr>
+            <a:spLocks noGrp="1" noRot="1" noChangeAspect="1"/>
+          </p:cNvSpPr>
+          <p:nvPr>
+            <p:ph type="sldImg"/>
+          </p:nvPr>
+        </p:nvSpPr>
+        <p:spPr/>
+      </p:sp>
+      <p:sp>
+        <p:nvSpPr>
+          <p:cNvPr id="3" name="Notes Placeholder 2"/>
+          <p:cNvSpPr>
+            <a:spLocks noGrp="1"/>
+          </p:cNvSpPr>
+          <p:nvPr>
+            <p:ph type="body" idx="1"/>
+          </p:nvPr>
+        </p:nvSpPr>
+        <p:spPr/>
+        <p:txBody>
+          <a:bodyPr/>
+          <a:lstStyle/>
+          <a:p>
+            <a:endParaRPr lang="en-US" dirty="0"/>
+          </a:p>
+        </p:txBody>
+      </p:sp>
+      <p:sp>
+        <p:nvSpPr>
+          <p:cNvPr id="4" name="Slide Number Placeholder 3"/>
+          <p:cNvSpPr>
+            <a:spLocks noGrp="1"/>
+          </p:cNvSpPr>
+          <p:nvPr>
+            <p:ph type="sldNum" sz="quarter" idx="5"/>
+          </p:nvPr>
+        </p:nvSpPr>
+        <p:spPr/>
+        <p:txBody>
+          <a:bodyPr/>
+          <a:lstStyle/>
+          <a:p>
+            <a:fld id="{BE60DC36-8EFA-4378-9855-E019C55AC472}" type="slidenum">
+              <a:rPr lang="en-US" smtClean="0"/>
+              <a:t>13</a:t>
+            </a:fld>
+            <a:endParaRPr lang="en-US" dirty="0"/>
+          </a:p>
+        </p:txBody>
+      </p:sp>
+    </p:spTree>
+    <p:extLst>
+      <p:ext uri="{BB962C8B-B14F-4D97-AF65-F5344CB8AC3E}">
+        <p14:creationId xmlns:p14="http://schemas.microsoft.com/office/powerpoint/2010/main" val="1027706241"/>
       </p:ext>
     </p:extLst>
   </p:cSld>
@@ -6567,8 +6737,8 @@
           </a:fontRef>
         </p:style>
       </p:cxnSp>
-      <mc:AlternateContent xmlns:mc="http://schemas.openxmlformats.org/markup-compatibility/2006" xmlns:a14="http://schemas.microsoft.com/office/drawing/2010/main">
-        <mc:Choice Requires="a14">
+      <mc:AlternateContent xmlns:mc="http://schemas.openxmlformats.org/markup-compatibility/2006">
+        <mc:Choice xmlns:a14="http://schemas.microsoft.com/office/drawing/2010/main" Requires="a14">
           <p:sp>
             <p:nvSpPr>
               <p:cNvPr id="10" name="Rectangle 9">
@@ -7155,13 +7325,13 @@
                     </a:solidFill>
                     <a:cs typeface="Segoe UI" panose="020B0502040204020203" pitchFamily="34" charset="0"/>
                   </a:rPr>
-                  <a:t>We are working with freely available data and intend to use compute and storage we already own, therefore the NPV should be $0</a:t>
+                  <a:t>We are working with freely available data and intend to use compute and storage we already own, therefore the NPV and cost should be $0</a:t>
                 </a:r>
               </a:p>
             </p:txBody>
           </p:sp>
         </mc:Choice>
-        <mc:Fallback xmlns="">
+        <mc:Fallback>
           <p:sp>
             <p:nvSpPr>
               <p:cNvPr id="10" name="Rectangle 9">
@@ -7675,6 +7845,588 @@
 </p:sld>
 </file>
 
+<file path=ppt/slides/slide12.xml><?xml version="1.0" encoding="utf-8"?>
+<p:sld xmlns:a="http://schemas.openxmlformats.org/drawingml/2006/main" xmlns:r="http://schemas.openxmlformats.org/officeDocument/2006/relationships" xmlns:p="http://schemas.openxmlformats.org/presentationml/2006/main">
+  <p:cSld>
+    <p:spTree>
+      <p:nvGrpSpPr>
+        <p:cNvPr id="1" name=""/>
+        <p:cNvGrpSpPr/>
+        <p:nvPr/>
+      </p:nvGrpSpPr>
+      <p:grpSpPr>
+        <a:xfrm>
+          <a:off x="0" y="0"/>
+          <a:ext cx="0" cy="0"/>
+          <a:chOff x="0" y="0"/>
+          <a:chExt cx="0" cy="0"/>
+        </a:xfrm>
+      </p:grpSpPr>
+      <p:sp>
+        <p:nvSpPr>
+          <p:cNvPr id="7" name="Title 6" hidden="1">
+            <a:extLst>
+              <a:ext uri="{FF2B5EF4-FFF2-40B4-BE49-F238E27FC236}">
+                <a16:creationId xmlns:a16="http://schemas.microsoft.com/office/drawing/2014/main" id="{7C70995F-D8C5-410A-AA8B-1EE172A29454}"/>
+              </a:ext>
+            </a:extLst>
+          </p:cNvPr>
+          <p:cNvSpPr>
+            <a:spLocks noGrp="1"/>
+          </p:cNvSpPr>
+          <p:nvPr>
+            <p:ph type="title" idx="4294967295"/>
+          </p:nvPr>
+        </p:nvSpPr>
+        <p:spPr>
+          <a:xfrm>
+            <a:off x="0" y="365125"/>
+            <a:ext cx="10515600" cy="1325563"/>
+          </a:xfrm>
+        </p:spPr>
+        <p:txBody>
+          <a:bodyPr/>
+          <a:lstStyle/>
+          <a:p>
+            <a:r>
+              <a:rPr lang="en-US" dirty="0"/>
+              <a:t>Project analysis slide 10</a:t>
+            </a:r>
+          </a:p>
+        </p:txBody>
+      </p:sp>
+      <p:cxnSp>
+        <p:nvCxnSpPr>
+          <p:cNvPr id="8" name="Straight Connector 7">
+            <a:extLst>
+              <a:ext uri="{FF2B5EF4-FFF2-40B4-BE49-F238E27FC236}">
+                <a16:creationId xmlns:a16="http://schemas.microsoft.com/office/drawing/2014/main" id="{D0986099-F5F2-4E8B-BE17-81194861A00C}"/>
+              </a:ext>
+              <a:ext uri="{C183D7F6-B498-43B3-948B-1728B52AA6E4}">
+                <adec:decorative xmlns:adec="http://schemas.microsoft.com/office/drawing/2017/decorative" val="1"/>
+              </a:ext>
+            </a:extLst>
+          </p:cNvPr>
+          <p:cNvCxnSpPr>
+            <a:cxnSpLocks/>
+          </p:cNvCxnSpPr>
+          <p:nvPr/>
+        </p:nvCxnSpPr>
+        <p:spPr>
+          <a:xfrm>
+            <a:off x="8105775" y="522898"/>
+            <a:ext cx="4086225" cy="0"/>
+          </a:xfrm>
+          <a:prstGeom prst="line">
+            <a:avLst/>
+          </a:prstGeom>
+          <a:ln>
+            <a:solidFill>
+              <a:schemeClr val="accent3">
+                <a:lumMod val="50000"/>
+              </a:schemeClr>
+            </a:solidFill>
+            <a:headEnd type="oval"/>
+          </a:ln>
+        </p:spPr>
+        <p:style>
+          <a:lnRef idx="1">
+            <a:schemeClr val="accent1"/>
+          </a:lnRef>
+          <a:fillRef idx="0">
+            <a:schemeClr val="accent1"/>
+          </a:fillRef>
+          <a:effectRef idx="0">
+            <a:schemeClr val="accent1"/>
+          </a:effectRef>
+          <a:fontRef idx="minor">
+            <a:schemeClr val="tx1"/>
+          </a:fontRef>
+        </p:style>
+      </p:cxnSp>
+      <p:sp>
+        <p:nvSpPr>
+          <p:cNvPr id="11" name="Title 1">
+            <a:extLst>
+              <a:ext uri="{FF2B5EF4-FFF2-40B4-BE49-F238E27FC236}">
+                <a16:creationId xmlns:a16="http://schemas.microsoft.com/office/drawing/2014/main" id="{4E3F5479-058B-4FA8-92E9-18CAB8CDC5C5}"/>
+              </a:ext>
+            </a:extLst>
+          </p:cNvPr>
+          <p:cNvSpPr txBox="1">
+            <a:spLocks/>
+          </p:cNvSpPr>
+          <p:nvPr/>
+        </p:nvSpPr>
+        <p:spPr>
+          <a:xfrm>
+            <a:off x="4200702" y="328999"/>
+            <a:ext cx="3651920" cy="387798"/>
+          </a:xfrm>
+          <a:prstGeom prst="rect">
+            <a:avLst/>
+          </a:prstGeom>
+        </p:spPr>
+        <p:txBody>
+          <a:bodyPr vert="horz" wrap="square" lIns="0" tIns="0" rIns="0" bIns="0" rtlCol="0" anchor="t">
+            <a:spAutoFit/>
+          </a:bodyPr>
+          <a:lstStyle>
+            <a:lvl1pPr algn="l" defTabSz="914400" rtl="0" eaLnBrk="1" latinLnBrk="0" hangingPunct="1">
+              <a:lnSpc>
+                <a:spcPct val="90000"/>
+              </a:lnSpc>
+              <a:spcBef>
+                <a:spcPct val="0"/>
+              </a:spcBef>
+              <a:buNone/>
+              <a:defRPr sz="4400" kern="1200">
+                <a:solidFill>
+                  <a:schemeClr val="tx1"/>
+                </a:solidFill>
+                <a:latin typeface="+mj-lt"/>
+                <a:ea typeface="+mj-ea"/>
+                <a:cs typeface="+mj-cs"/>
+              </a:defRPr>
+            </a:lvl1pPr>
+          </a:lstStyle>
+          <a:p>
+            <a:pPr algn="ctr"/>
+            <a:r>
+              <a:rPr lang="en-US" sz="2800" b="1" dirty="0">
+                <a:solidFill>
+                  <a:schemeClr val="tx1">
+                    <a:lumMod val="75000"/>
+                    <a:lumOff val="25000"/>
+                  </a:schemeClr>
+                </a:solidFill>
+              </a:rPr>
+              <a:t>References</a:t>
+            </a:r>
+            <a:endParaRPr lang="en-US" sz="2800" dirty="0">
+              <a:solidFill>
+                <a:schemeClr val="tx1">
+                  <a:lumMod val="75000"/>
+                  <a:lumOff val="25000"/>
+                </a:schemeClr>
+              </a:solidFill>
+            </a:endParaRPr>
+          </a:p>
+        </p:txBody>
+      </p:sp>
+      <p:cxnSp>
+        <p:nvCxnSpPr>
+          <p:cNvPr id="14" name="Straight Connector 13">
+            <a:extLst>
+              <a:ext uri="{FF2B5EF4-FFF2-40B4-BE49-F238E27FC236}">
+                <a16:creationId xmlns:a16="http://schemas.microsoft.com/office/drawing/2014/main" id="{83E690F4-843A-47A5-8620-4FB01C0D8E68}"/>
+              </a:ext>
+              <a:ext uri="{C183D7F6-B498-43B3-948B-1728B52AA6E4}">
+                <adec:decorative xmlns:adec="http://schemas.microsoft.com/office/drawing/2017/decorative" val="1"/>
+              </a:ext>
+            </a:extLst>
+          </p:cNvPr>
+          <p:cNvCxnSpPr>
+            <a:cxnSpLocks/>
+          </p:cNvCxnSpPr>
+          <p:nvPr/>
+        </p:nvCxnSpPr>
+        <p:spPr>
+          <a:xfrm>
+            <a:off x="0" y="522898"/>
+            <a:ext cx="4086225" cy="0"/>
+          </a:xfrm>
+          <a:prstGeom prst="line">
+            <a:avLst/>
+          </a:prstGeom>
+          <a:ln>
+            <a:solidFill>
+              <a:schemeClr val="accent3">
+                <a:lumMod val="50000"/>
+              </a:schemeClr>
+            </a:solidFill>
+            <a:tailEnd type="oval"/>
+          </a:ln>
+        </p:spPr>
+        <p:style>
+          <a:lnRef idx="1">
+            <a:schemeClr val="accent1"/>
+          </a:lnRef>
+          <a:fillRef idx="0">
+            <a:schemeClr val="accent1"/>
+          </a:fillRef>
+          <a:effectRef idx="0">
+            <a:schemeClr val="accent1"/>
+          </a:effectRef>
+          <a:fontRef idx="minor">
+            <a:schemeClr val="tx1"/>
+          </a:fontRef>
+        </p:style>
+      </p:cxnSp>
+      <p:pic>
+        <p:nvPicPr>
+          <p:cNvPr id="2" name="Picture 1">
+            <a:extLst>
+              <a:ext uri="{FF2B5EF4-FFF2-40B4-BE49-F238E27FC236}">
+                <a16:creationId xmlns:a16="http://schemas.microsoft.com/office/drawing/2014/main" id="{F4096D04-5442-E048-B061-0DC7925C04CE}"/>
+              </a:ext>
+            </a:extLst>
+          </p:cNvPr>
+          <p:cNvPicPr>
+            <a:picLocks noChangeAspect="1"/>
+          </p:cNvPicPr>
+          <p:nvPr/>
+        </p:nvPicPr>
+        <p:blipFill>
+          <a:blip r:embed="rId3"/>
+          <a:stretch>
+            <a:fillRect/>
+          </a:stretch>
+        </p:blipFill>
+        <p:spPr>
+          <a:xfrm>
+            <a:off x="1013957" y="1917814"/>
+            <a:ext cx="4828920" cy="3511942"/>
+          </a:xfrm>
+          <a:prstGeom prst="rect">
+            <a:avLst/>
+          </a:prstGeom>
+        </p:spPr>
+      </p:pic>
+      <p:pic>
+        <p:nvPicPr>
+          <p:cNvPr id="3" name="Picture 2">
+            <a:extLst>
+              <a:ext uri="{FF2B5EF4-FFF2-40B4-BE49-F238E27FC236}">
+                <a16:creationId xmlns:a16="http://schemas.microsoft.com/office/drawing/2014/main" id="{AD1781C5-BF4D-464A-98A6-CA2C70B681F3}"/>
+              </a:ext>
+            </a:extLst>
+          </p:cNvPr>
+          <p:cNvPicPr>
+            <a:picLocks noChangeAspect="1"/>
+          </p:cNvPicPr>
+          <p:nvPr/>
+        </p:nvPicPr>
+        <p:blipFill>
+          <a:blip r:embed="rId4"/>
+          <a:stretch>
+            <a:fillRect/>
+          </a:stretch>
+        </p:blipFill>
+        <p:spPr>
+          <a:xfrm>
+            <a:off x="6522292" y="1782153"/>
+            <a:ext cx="4828920" cy="3782993"/>
+          </a:xfrm>
+          <a:prstGeom prst="rect">
+            <a:avLst/>
+          </a:prstGeom>
+        </p:spPr>
+      </p:pic>
+    </p:spTree>
+    <p:extLst>
+      <p:ext uri="{BB962C8B-B14F-4D97-AF65-F5344CB8AC3E}">
+        <p14:creationId xmlns:p14="http://schemas.microsoft.com/office/powerpoint/2010/main" val="156504754"/>
+      </p:ext>
+    </p:extLst>
+  </p:cSld>
+  <p:clrMapOvr>
+    <a:masterClrMapping/>
+  </p:clrMapOvr>
+</p:sld>
+</file>
+
+<file path=ppt/slides/slide13.xml><?xml version="1.0" encoding="utf-8"?>
+<p:sld xmlns:a="http://schemas.openxmlformats.org/drawingml/2006/main" xmlns:r="http://schemas.openxmlformats.org/officeDocument/2006/relationships" xmlns:p="http://schemas.openxmlformats.org/presentationml/2006/main">
+  <p:cSld>
+    <p:spTree>
+      <p:nvGrpSpPr>
+        <p:cNvPr id="1" name=""/>
+        <p:cNvGrpSpPr/>
+        <p:nvPr/>
+      </p:nvGrpSpPr>
+      <p:grpSpPr>
+        <a:xfrm>
+          <a:off x="0" y="0"/>
+          <a:ext cx="0" cy="0"/>
+          <a:chOff x="0" y="0"/>
+          <a:chExt cx="0" cy="0"/>
+        </a:xfrm>
+      </p:grpSpPr>
+      <p:sp>
+        <p:nvSpPr>
+          <p:cNvPr id="7" name="Title 6" hidden="1">
+            <a:extLst>
+              <a:ext uri="{FF2B5EF4-FFF2-40B4-BE49-F238E27FC236}">
+                <a16:creationId xmlns:a16="http://schemas.microsoft.com/office/drawing/2014/main" id="{7C70995F-D8C5-410A-AA8B-1EE172A29454}"/>
+              </a:ext>
+            </a:extLst>
+          </p:cNvPr>
+          <p:cNvSpPr>
+            <a:spLocks noGrp="1"/>
+          </p:cNvSpPr>
+          <p:nvPr>
+            <p:ph type="title" idx="4294967295"/>
+          </p:nvPr>
+        </p:nvSpPr>
+        <p:spPr>
+          <a:xfrm>
+            <a:off x="0" y="365125"/>
+            <a:ext cx="10515600" cy="1325563"/>
+          </a:xfrm>
+        </p:spPr>
+        <p:txBody>
+          <a:bodyPr/>
+          <a:lstStyle/>
+          <a:p>
+            <a:r>
+              <a:rPr lang="en-US" dirty="0"/>
+              <a:t>Project analysis slide 10</a:t>
+            </a:r>
+          </a:p>
+        </p:txBody>
+      </p:sp>
+      <p:cxnSp>
+        <p:nvCxnSpPr>
+          <p:cNvPr id="8" name="Straight Connector 7">
+            <a:extLst>
+              <a:ext uri="{FF2B5EF4-FFF2-40B4-BE49-F238E27FC236}">
+                <a16:creationId xmlns:a16="http://schemas.microsoft.com/office/drawing/2014/main" id="{D0986099-F5F2-4E8B-BE17-81194861A00C}"/>
+              </a:ext>
+              <a:ext uri="{C183D7F6-B498-43B3-948B-1728B52AA6E4}">
+                <adec:decorative xmlns:adec="http://schemas.microsoft.com/office/drawing/2017/decorative" val="1"/>
+              </a:ext>
+            </a:extLst>
+          </p:cNvPr>
+          <p:cNvCxnSpPr>
+            <a:cxnSpLocks/>
+          </p:cNvCxnSpPr>
+          <p:nvPr/>
+        </p:nvCxnSpPr>
+        <p:spPr>
+          <a:xfrm>
+            <a:off x="8105775" y="522898"/>
+            <a:ext cx="4086225" cy="0"/>
+          </a:xfrm>
+          <a:prstGeom prst="line">
+            <a:avLst/>
+          </a:prstGeom>
+          <a:ln>
+            <a:solidFill>
+              <a:schemeClr val="accent3">
+                <a:lumMod val="50000"/>
+              </a:schemeClr>
+            </a:solidFill>
+            <a:headEnd type="oval"/>
+          </a:ln>
+        </p:spPr>
+        <p:style>
+          <a:lnRef idx="1">
+            <a:schemeClr val="accent1"/>
+          </a:lnRef>
+          <a:fillRef idx="0">
+            <a:schemeClr val="accent1"/>
+          </a:fillRef>
+          <a:effectRef idx="0">
+            <a:schemeClr val="accent1"/>
+          </a:effectRef>
+          <a:fontRef idx="minor">
+            <a:schemeClr val="tx1"/>
+          </a:fontRef>
+        </p:style>
+      </p:cxnSp>
+      <p:sp>
+        <p:nvSpPr>
+          <p:cNvPr id="11" name="Title 1">
+            <a:extLst>
+              <a:ext uri="{FF2B5EF4-FFF2-40B4-BE49-F238E27FC236}">
+                <a16:creationId xmlns:a16="http://schemas.microsoft.com/office/drawing/2014/main" id="{4E3F5479-058B-4FA8-92E9-18CAB8CDC5C5}"/>
+              </a:ext>
+            </a:extLst>
+          </p:cNvPr>
+          <p:cNvSpPr txBox="1">
+            <a:spLocks/>
+          </p:cNvSpPr>
+          <p:nvPr/>
+        </p:nvSpPr>
+        <p:spPr>
+          <a:xfrm>
+            <a:off x="4200702" y="328999"/>
+            <a:ext cx="3651920" cy="387798"/>
+          </a:xfrm>
+          <a:prstGeom prst="rect">
+            <a:avLst/>
+          </a:prstGeom>
+        </p:spPr>
+        <p:txBody>
+          <a:bodyPr vert="horz" wrap="square" lIns="0" tIns="0" rIns="0" bIns="0" rtlCol="0" anchor="t">
+            <a:spAutoFit/>
+          </a:bodyPr>
+          <a:lstStyle>
+            <a:lvl1pPr algn="l" defTabSz="914400" rtl="0" eaLnBrk="1" latinLnBrk="0" hangingPunct="1">
+              <a:lnSpc>
+                <a:spcPct val="90000"/>
+              </a:lnSpc>
+              <a:spcBef>
+                <a:spcPct val="0"/>
+              </a:spcBef>
+              <a:buNone/>
+              <a:defRPr sz="4400" kern="1200">
+                <a:solidFill>
+                  <a:schemeClr val="tx1"/>
+                </a:solidFill>
+                <a:latin typeface="+mj-lt"/>
+                <a:ea typeface="+mj-ea"/>
+                <a:cs typeface="+mj-cs"/>
+              </a:defRPr>
+            </a:lvl1pPr>
+          </a:lstStyle>
+          <a:p>
+            <a:pPr algn="ctr"/>
+            <a:r>
+              <a:rPr lang="en-US" sz="2800" b="1" dirty="0">
+                <a:solidFill>
+                  <a:schemeClr val="tx1">
+                    <a:lumMod val="75000"/>
+                    <a:lumOff val="25000"/>
+                  </a:schemeClr>
+                </a:solidFill>
+              </a:rPr>
+              <a:t>References</a:t>
+            </a:r>
+            <a:endParaRPr lang="en-US" sz="2800" dirty="0">
+              <a:solidFill>
+                <a:schemeClr val="tx1">
+                  <a:lumMod val="75000"/>
+                  <a:lumOff val="25000"/>
+                </a:schemeClr>
+              </a:solidFill>
+            </a:endParaRPr>
+          </a:p>
+        </p:txBody>
+      </p:sp>
+      <p:cxnSp>
+        <p:nvCxnSpPr>
+          <p:cNvPr id="14" name="Straight Connector 13">
+            <a:extLst>
+              <a:ext uri="{FF2B5EF4-FFF2-40B4-BE49-F238E27FC236}">
+                <a16:creationId xmlns:a16="http://schemas.microsoft.com/office/drawing/2014/main" id="{83E690F4-843A-47A5-8620-4FB01C0D8E68}"/>
+              </a:ext>
+              <a:ext uri="{C183D7F6-B498-43B3-948B-1728B52AA6E4}">
+                <adec:decorative xmlns:adec="http://schemas.microsoft.com/office/drawing/2017/decorative" val="1"/>
+              </a:ext>
+            </a:extLst>
+          </p:cNvPr>
+          <p:cNvCxnSpPr>
+            <a:cxnSpLocks/>
+          </p:cNvCxnSpPr>
+          <p:nvPr/>
+        </p:nvCxnSpPr>
+        <p:spPr>
+          <a:xfrm>
+            <a:off x="0" y="522898"/>
+            <a:ext cx="4086225" cy="0"/>
+          </a:xfrm>
+          <a:prstGeom prst="line">
+            <a:avLst/>
+          </a:prstGeom>
+          <a:ln>
+            <a:solidFill>
+              <a:schemeClr val="accent3">
+                <a:lumMod val="50000"/>
+              </a:schemeClr>
+            </a:solidFill>
+            <a:tailEnd type="oval"/>
+          </a:ln>
+        </p:spPr>
+        <p:style>
+          <a:lnRef idx="1">
+            <a:schemeClr val="accent1"/>
+          </a:lnRef>
+          <a:fillRef idx="0">
+            <a:schemeClr val="accent1"/>
+          </a:fillRef>
+          <a:effectRef idx="0">
+            <a:schemeClr val="accent1"/>
+          </a:effectRef>
+          <a:fontRef idx="minor">
+            <a:schemeClr val="tx1"/>
+          </a:fontRef>
+        </p:style>
+      </p:cxnSp>
+      <p:pic>
+        <p:nvPicPr>
+          <p:cNvPr id="3" name="Picture 2">
+            <a:extLst>
+              <a:ext uri="{FF2B5EF4-FFF2-40B4-BE49-F238E27FC236}">
+                <a16:creationId xmlns:a16="http://schemas.microsoft.com/office/drawing/2014/main" id="{640071B8-C859-3140-A12A-FBC739A0A30D}"/>
+              </a:ext>
+            </a:extLst>
+          </p:cNvPr>
+          <p:cNvPicPr>
+            <a:picLocks noChangeAspect="1"/>
+          </p:cNvPicPr>
+          <p:nvPr/>
+        </p:nvPicPr>
+        <p:blipFill>
+          <a:blip r:embed="rId3"/>
+          <a:stretch>
+            <a:fillRect/>
+          </a:stretch>
+        </p:blipFill>
+        <p:spPr>
+          <a:xfrm>
+            <a:off x="3684574" y="5318698"/>
+            <a:ext cx="2619123" cy="315558"/>
+          </a:xfrm>
+          <a:prstGeom prst="rect">
+            <a:avLst/>
+          </a:prstGeom>
+        </p:spPr>
+      </p:pic>
+      <p:pic>
+        <p:nvPicPr>
+          <p:cNvPr id="4" name="Picture 3">
+            <a:extLst>
+              <a:ext uri="{FF2B5EF4-FFF2-40B4-BE49-F238E27FC236}">
+                <a16:creationId xmlns:a16="http://schemas.microsoft.com/office/drawing/2014/main" id="{C2C4620C-48DC-E142-BA6A-C0DE9D29E668}"/>
+              </a:ext>
+            </a:extLst>
+          </p:cNvPr>
+          <p:cNvPicPr>
+            <a:picLocks noChangeAspect="1"/>
+          </p:cNvPicPr>
+          <p:nvPr/>
+        </p:nvPicPr>
+        <p:blipFill>
+          <a:blip r:embed="rId4"/>
+          <a:stretch>
+            <a:fillRect/>
+          </a:stretch>
+        </p:blipFill>
+        <p:spPr>
+          <a:xfrm>
+            <a:off x="3403037" y="1526260"/>
+            <a:ext cx="4796886" cy="3805479"/>
+          </a:xfrm>
+          <a:prstGeom prst="rect">
+            <a:avLst/>
+          </a:prstGeom>
+        </p:spPr>
+      </p:pic>
+    </p:spTree>
+    <p:extLst>
+      <p:ext uri="{BB962C8B-B14F-4D97-AF65-F5344CB8AC3E}">
+        <p14:creationId xmlns:p14="http://schemas.microsoft.com/office/powerpoint/2010/main" val="2491906706"/>
+      </p:ext>
+    </p:extLst>
+  </p:cSld>
+  <p:clrMapOvr>
+    <a:masterClrMapping/>
+  </p:clrMapOvr>
+</p:sld>
+</file>
+
 <file path=ppt/slides/slide2.xml><?xml version="1.0" encoding="utf-8"?>
 <p:sld xmlns:a="http://schemas.openxmlformats.org/drawingml/2006/main" xmlns:r="http://schemas.openxmlformats.org/officeDocument/2006/relationships" xmlns:p="http://schemas.openxmlformats.org/presentationml/2006/main">
   <p:cSld>
@@ -8104,49 +8856,32 @@
       </p:sp>
       <p:pic>
         <p:nvPicPr>
-          <p:cNvPr id="2054" name="Picture 6" descr="State Shapes Clipart 3 By James - New York State Svg - Png Download - Full  Size Clipart (#3862570) - PinClipart">
+          <p:cNvPr id="2" name="Picture 1">
             <a:extLst>
               <a:ext uri="{FF2B5EF4-FFF2-40B4-BE49-F238E27FC236}">
-                <a16:creationId xmlns:a16="http://schemas.microsoft.com/office/drawing/2014/main" id="{0ADEF45E-A317-5643-9DB6-3469AB01762E}"/>
+                <a16:creationId xmlns:a16="http://schemas.microsoft.com/office/drawing/2014/main" id="{B46C7813-151D-1E41-ABC7-824D97F13DE1}"/>
               </a:ext>
             </a:extLst>
           </p:cNvPr>
           <p:cNvPicPr>
-            <a:picLocks noChangeAspect="1" noChangeArrowheads="1"/>
+            <a:picLocks noChangeAspect="1"/>
           </p:cNvPicPr>
           <p:nvPr/>
         </p:nvPicPr>
         <p:blipFill>
-          <a:blip r:embed="rId3">
-            <a:extLst>
-              <a:ext uri="{28A0092B-C50C-407E-A947-70E740481C1C}">
-                <a14:useLocalDpi xmlns:a14="http://schemas.microsoft.com/office/drawing/2010/main" val="0"/>
-              </a:ext>
-            </a:extLst>
-          </a:blip>
-          <a:srcRect/>
+          <a:blip r:embed="rId3"/>
           <a:stretch>
             <a:fillRect/>
           </a:stretch>
         </p:blipFill>
-        <p:spPr bwMode="auto">
+        <p:spPr>
           <a:xfrm>
-            <a:off x="4956797" y="4156131"/>
-            <a:ext cx="2139728" cy="1986595"/>
+            <a:off x="4086225" y="4692430"/>
+            <a:ext cx="4013200" cy="1168400"/>
           </a:xfrm>
           <a:prstGeom prst="rect">
             <a:avLst/>
           </a:prstGeom>
-          <a:noFill/>
-          <a:extLst>
-            <a:ext uri="{909E8E84-426E-40DD-AFC4-6F175D3DCCD1}">
-              <a14:hiddenFill xmlns:a14="http://schemas.microsoft.com/office/drawing/2010/main">
-                <a:solidFill>
-                  <a:srgbClr val="FFFFFF"/>
-                </a:solidFill>
-              </a14:hiddenFill>
-            </a:ext>
-          </a:extLst>
         </p:spPr>
       </p:pic>
     </p:spTree>
@@ -15615,7 +16350,7 @@
         <p:spPr>
           <a:xfrm>
             <a:off x="1957038" y="3579771"/>
-            <a:ext cx="1752042" cy="1192186"/>
+            <a:ext cx="1752042" cy="948529"/>
           </a:xfrm>
           <a:prstGeom prst="rect">
             <a:avLst/>
@@ -15639,7 +16374,7 @@
                 </a:solidFill>
                 <a:cs typeface="Segoe UI" panose="020B0502040204020203" pitchFamily="34" charset="0"/>
               </a:rPr>
-              <a:t>The ecological fallacy, racial bias in models, interpretability of analysis, and suppressed confounding variables</a:t>
+              <a:t>The ecological fallacy, interpretability of analysis, and correlated factors in models</a:t>
             </a:r>
           </a:p>
         </p:txBody>
@@ -25272,7 +26007,7 @@
                 </a:solidFill>
                 <a:cs typeface="Segoe UI" panose="020B0502040204020203" pitchFamily="34" charset="0"/>
               </a:rPr>
-              <a:t>We will apply modern machine learning techniques (regularized regression, regression trees, random forests, </a:t>
+              <a:t>We will apply modern machine learning techniques (i.e. regularized regression, regression trees, random forests, </a:t>
             </a:r>
             <a:r>
               <a:rPr lang="en-US" dirty="0" err="1">

--- a/SESIoN Proposal.pptx
+++ b/SESIoN Proposal.pptx
@@ -258,7 +258,7 @@
           <a:p>
             <a:fld id="{6E5C0719-993D-42E1-80ED-8F01056F36C2}" type="datetimeFigureOut">
               <a:rPr lang="en-US" smtClean="0"/>
-              <a:t>10/8/20</a:t>
+              <a:t>10/9/20</a:t>
             </a:fld>
             <a:endParaRPr lang="en-US" dirty="0"/>
           </a:p>
@@ -435,7 +435,7 @@
           <a:p>
             <a:fld id="{21D3BC9C-6C58-464F-B94E-FD73C5FB016E}" type="datetimeFigureOut">
               <a:rPr lang="en-US" smtClean="0"/>
-              <a:t>10/8/20</a:t>
+              <a:t>10/9/20</a:t>
             </a:fld>
             <a:endParaRPr lang="en-US" dirty="0"/>
           </a:p>
@@ -1941,7 +1941,7 @@
           <a:p>
             <a:fld id="{40DA1498-92C7-4E4B-8045-C9195F453964}" type="datetimeFigureOut">
               <a:rPr lang="en-US" smtClean="0"/>
-              <a:t>10/8/20</a:t>
+              <a:t>10/9/20</a:t>
             </a:fld>
             <a:endParaRPr lang="en-US" dirty="0"/>
           </a:p>
@@ -2139,7 +2139,7 @@
           <a:p>
             <a:fld id="{40DA1498-92C7-4E4B-8045-C9195F453964}" type="datetimeFigureOut">
               <a:rPr lang="en-US" smtClean="0"/>
-              <a:t>10/8/20</a:t>
+              <a:t>10/9/20</a:t>
             </a:fld>
             <a:endParaRPr lang="en-US" dirty="0"/>
           </a:p>
@@ -2347,7 +2347,7 @@
           <a:p>
             <a:fld id="{40DA1498-92C7-4E4B-8045-C9195F453964}" type="datetimeFigureOut">
               <a:rPr lang="en-US" smtClean="0"/>
-              <a:t>10/8/20</a:t>
+              <a:t>10/9/20</a:t>
             </a:fld>
             <a:endParaRPr lang="en-US" dirty="0"/>
           </a:p>
@@ -2545,7 +2545,7 @@
           <a:p>
             <a:fld id="{40DA1498-92C7-4E4B-8045-C9195F453964}" type="datetimeFigureOut">
               <a:rPr lang="en-US" smtClean="0"/>
-              <a:t>10/8/20</a:t>
+              <a:t>10/9/20</a:t>
             </a:fld>
             <a:endParaRPr lang="en-US" dirty="0"/>
           </a:p>
@@ -2820,7 +2820,7 @@
           <a:p>
             <a:fld id="{40DA1498-92C7-4E4B-8045-C9195F453964}" type="datetimeFigureOut">
               <a:rPr lang="en-US" smtClean="0"/>
-              <a:t>10/8/20</a:t>
+              <a:t>10/9/20</a:t>
             </a:fld>
             <a:endParaRPr lang="en-US" dirty="0"/>
           </a:p>
@@ -3085,7 +3085,7 @@
           <a:p>
             <a:fld id="{40DA1498-92C7-4E4B-8045-C9195F453964}" type="datetimeFigureOut">
               <a:rPr lang="en-US" smtClean="0"/>
-              <a:t>10/8/20</a:t>
+              <a:t>10/9/20</a:t>
             </a:fld>
             <a:endParaRPr lang="en-US" dirty="0"/>
           </a:p>
@@ -3497,7 +3497,7 @@
           <a:p>
             <a:fld id="{40DA1498-92C7-4E4B-8045-C9195F453964}" type="datetimeFigureOut">
               <a:rPr lang="en-US" smtClean="0"/>
-              <a:t>10/8/20</a:t>
+              <a:t>10/9/20</a:t>
             </a:fld>
             <a:endParaRPr lang="en-US" dirty="0"/>
           </a:p>
@@ -3638,7 +3638,7 @@
           <a:p>
             <a:fld id="{40DA1498-92C7-4E4B-8045-C9195F453964}" type="datetimeFigureOut">
               <a:rPr lang="en-US" smtClean="0"/>
-              <a:t>10/8/20</a:t>
+              <a:t>10/9/20</a:t>
             </a:fld>
             <a:endParaRPr lang="en-US" dirty="0"/>
           </a:p>
@@ -3751,7 +3751,7 @@
           <a:p>
             <a:fld id="{40DA1498-92C7-4E4B-8045-C9195F453964}" type="datetimeFigureOut">
               <a:rPr lang="en-US" smtClean="0"/>
-              <a:t>10/8/20</a:t>
+              <a:t>10/9/20</a:t>
             </a:fld>
             <a:endParaRPr lang="en-US" dirty="0"/>
           </a:p>
@@ -4062,7 +4062,7 @@
           <a:p>
             <a:fld id="{40DA1498-92C7-4E4B-8045-C9195F453964}" type="datetimeFigureOut">
               <a:rPr lang="en-US" smtClean="0"/>
-              <a:t>10/8/20</a:t>
+              <a:t>10/9/20</a:t>
             </a:fld>
             <a:endParaRPr lang="en-US" dirty="0"/>
           </a:p>
@@ -4354,7 +4354,7 @@
           <a:p>
             <a:fld id="{40DA1498-92C7-4E4B-8045-C9195F453964}" type="datetimeFigureOut">
               <a:rPr lang="en-US" smtClean="0"/>
-              <a:t>10/8/20</a:t>
+              <a:t>10/9/20</a:t>
             </a:fld>
             <a:endParaRPr lang="en-US" dirty="0"/>
           </a:p>
@@ -4595,7 +4595,7 @@
           <a:p>
             <a:fld id="{40DA1498-92C7-4E4B-8045-C9195F453964}" type="datetimeFigureOut">
               <a:rPr lang="en-US" smtClean="0"/>
-              <a:t>10/8/20</a:t>
+              <a:t>10/9/20</a:t>
             </a:fld>
             <a:endParaRPr lang="en-US" dirty="0"/>
           </a:p>
@@ -6520,7 +6520,7 @@
 </file>
 
 <file path=ppt/slides/slide10.xml><?xml version="1.0" encoding="utf-8"?>
-<p:sld xmlns:a="http://schemas.openxmlformats.org/drawingml/2006/main" xmlns:r="http://schemas.openxmlformats.org/officeDocument/2006/relationships" xmlns:p="http://schemas.openxmlformats.org/presentationml/2006/main">
+<p:sld xmlns:a="http://schemas.openxmlformats.org/drawingml/2006/main" xmlns:r="http://schemas.openxmlformats.org/officeDocument/2006/relationships" xmlns:p="http://schemas.openxmlformats.org/presentationml/2006/main" show="0">
   <p:cSld>
     <p:spTree>
       <p:nvGrpSpPr>
@@ -6737,8 +6737,8 @@
           </a:fontRef>
         </p:style>
       </p:cxnSp>
-      <mc:AlternateContent xmlns:mc="http://schemas.openxmlformats.org/markup-compatibility/2006">
-        <mc:Choice xmlns:a14="http://schemas.microsoft.com/office/drawing/2010/main" Requires="a14">
+      <mc:AlternateContent xmlns:mc="http://schemas.openxmlformats.org/markup-compatibility/2006" xmlns:a14="http://schemas.microsoft.com/office/drawing/2010/main">
+        <mc:Choice Requires="a14">
           <p:sp>
             <p:nvSpPr>
               <p:cNvPr id="10" name="Rectangle 9">
@@ -7331,7 +7331,7 @@
             </p:txBody>
           </p:sp>
         </mc:Choice>
-        <mc:Fallback>
+        <mc:Fallback xmlns="">
           <p:sp>
             <p:nvSpPr>
               <p:cNvPr id="10" name="Rectangle 9">
@@ -7622,7 +7622,7 @@
         <p:spPr>
           <a:xfrm>
             <a:off x="228600" y="1486891"/>
-            <a:ext cx="11596125" cy="2680221"/>
+            <a:ext cx="11596125" cy="3167534"/>
           </a:xfrm>
           <a:prstGeom prst="rect">
             <a:avLst/>
@@ -7711,9 +7711,6 @@
               </a:rPr>
               <a:t>11</a:t>
             </a:r>
-            <a:endParaRPr lang="en-US" dirty="0">
-              <a:cs typeface="Segoe UI" panose="020B0502040204020203" pitchFamily="34" charset="0"/>
-            </a:endParaRPr>
           </a:p>
           <a:p>
             <a:pPr marL="285750" indent="-285750">
@@ -7723,9 +7720,37 @@
               <a:buFont typeface="Arial" panose="020B0604020202020204" pitchFamily="34" charset="0"/>
               <a:buChar char="•"/>
             </a:pPr>
-            <a:endParaRPr lang="en-US" dirty="0">
+            <a:endParaRPr lang="en-US" baseline="30000" dirty="0">
               <a:cs typeface="Segoe UI" panose="020B0502040204020203" pitchFamily="34" charset="0"/>
             </a:endParaRPr>
+          </a:p>
+          <a:p>
+            <a:pPr>
+              <a:lnSpc>
+                <a:spcPts val="1900"/>
+              </a:lnSpc>
+            </a:pPr>
+            <a:r>
+              <a:rPr lang="en-US" b="1" u="sng" dirty="0">
+                <a:cs typeface="Segoe UI" panose="020B0502040204020203" pitchFamily="34" charset="0"/>
+              </a:rPr>
+              <a:t>Checks for Success</a:t>
+            </a:r>
+          </a:p>
+          <a:p>
+            <a:pPr marL="285750" indent="-285750">
+              <a:lnSpc>
+                <a:spcPts val="1900"/>
+              </a:lnSpc>
+              <a:buFont typeface="Arial" panose="020B0604020202020204" pitchFamily="34" charset="0"/>
+              <a:buChar char="•"/>
+            </a:pPr>
+            <a:r>
+              <a:rPr lang="en-US" dirty="0">
+                <a:cs typeface="Segoe UI" panose="020B0502040204020203" pitchFamily="34" charset="0"/>
+              </a:rPr>
+              <a:t>Cleaned data, preliminary model, functioning choropleth in D3 by end of October</a:t>
+            </a:r>
           </a:p>
           <a:p>
             <a:pPr marL="285750" indent="-285750">
@@ -24678,7 +24703,7 @@
 </file>
 
 <file path=ppt/slides/slide5.xml><?xml version="1.0" encoding="utf-8"?>
-<p:sld xmlns:a="http://schemas.openxmlformats.org/drawingml/2006/main" xmlns:r="http://schemas.openxmlformats.org/officeDocument/2006/relationships" xmlns:p="http://schemas.openxmlformats.org/presentationml/2006/main">
+<p:sld xmlns:a="http://schemas.openxmlformats.org/drawingml/2006/main" xmlns:r="http://schemas.openxmlformats.org/officeDocument/2006/relationships" xmlns:p="http://schemas.openxmlformats.org/presentationml/2006/main" show="0">
   <p:cSld>
     <p:spTree>
       <p:nvGrpSpPr>
@@ -25746,7 +25771,7 @@
 </file>
 
 <file path=ppt/slides/slide7.xml><?xml version="1.0" encoding="utf-8"?>
-<p:sld xmlns:a="http://schemas.openxmlformats.org/drawingml/2006/main" xmlns:r="http://schemas.openxmlformats.org/officeDocument/2006/relationships" xmlns:p="http://schemas.openxmlformats.org/presentationml/2006/main">
+<p:sld xmlns:a="http://schemas.openxmlformats.org/drawingml/2006/main" xmlns:r="http://schemas.openxmlformats.org/officeDocument/2006/relationships" xmlns:p="http://schemas.openxmlformats.org/presentationml/2006/main" show="0">
   <p:cSld>
     <p:spTree>
       <p:nvGrpSpPr>
@@ -27032,7 +27057,7 @@
 </file>
 
 <file path=ppt/slides/slide9.xml><?xml version="1.0" encoding="utf-8"?>
-<p:sld xmlns:a="http://schemas.openxmlformats.org/drawingml/2006/main" xmlns:r="http://schemas.openxmlformats.org/officeDocument/2006/relationships" xmlns:p="http://schemas.openxmlformats.org/presentationml/2006/main">
+<p:sld xmlns:a="http://schemas.openxmlformats.org/drawingml/2006/main" xmlns:r="http://schemas.openxmlformats.org/officeDocument/2006/relationships" xmlns:p="http://schemas.openxmlformats.org/presentationml/2006/main" show="0">
   <p:cSld>
     <p:spTree>
       <p:nvGrpSpPr>
@@ -28268,23 +28293,6 @@
 </file>
 
 <file path=customXml/item1.xml><?xml version="1.0" encoding="utf-8"?>
-<?mso-contentType ?>
-<FormTemplates xmlns="http://schemas.microsoft.com/sharepoint/v3/contenttype/forms">
-  <Display>DocumentLibraryForm</Display>
-  <Edit>DocumentLibraryForm</Edit>
-  <New>DocumentLibraryForm</New>
-</FormTemplates>
-</file>
-
-<file path=customXml/item2.xml><?xml version="1.0" encoding="utf-8"?>
-<p:properties xmlns:p="http://schemas.microsoft.com/office/2006/metadata/properties" xmlns:xsi="http://www.w3.org/2001/XMLSchema-instance" xmlns:pc="http://schemas.microsoft.com/office/infopath/2007/PartnerControls">
-  <documentManagement>
-    <MediaServiceKeyPoints xmlns="71af3243-3dd4-4a8d-8c0d-dd76da1f02a5" xsi:nil="true"/>
-  </documentManagement>
-</p:properties>
-</file>
-
-<file path=customXml/item3.xml><?xml version="1.0" encoding="utf-8"?>
 <ct:contentTypeSchema xmlns:ct="http://schemas.microsoft.com/office/2006/metadata/contentType" xmlns:ma="http://schemas.microsoft.com/office/2006/metadata/properties/metaAttributes" ct:_="" ma:_="" ma:contentTypeName="Document" ma:contentTypeID="0x01010079F111ED35F8CC479449609E8A0923A6" ma:contentTypeVersion="11" ma:contentTypeDescription="Create a new document." ma:contentTypeScope="" ma:versionID="9677210f24a1be23c92c90fd886aa0aa">
   <xsd:schema xmlns:xsd="http://www.w3.org/2001/XMLSchema" xmlns:xs="http://www.w3.org/2001/XMLSchema" xmlns:p="http://schemas.microsoft.com/office/2006/metadata/properties" xmlns:ns2="71af3243-3dd4-4a8d-8c0d-dd76da1f02a5" xmlns:ns3="16c05727-aa75-4e4a-9b5f-8a80a1165891" targetNamespace="http://schemas.microsoft.com/office/2006/metadata/properties" ma:root="true" ma:fieldsID="60e05723c5c1908df1a1a4ebf11d344e" ns2:_="" ns3:_="">
     <xsd:import namespace="71af3243-3dd4-4a8d-8c0d-dd76da1f02a5"/>
@@ -28495,25 +28503,24 @@
 </ct:contentTypeSchema>
 </file>
 
-<file path=customXml/itemProps1.xml><?xml version="1.0" encoding="utf-8"?>
-<ds:datastoreItem xmlns:ds="http://schemas.openxmlformats.org/officeDocument/2006/customXml" ds:itemID="{2FD05317-60D6-4B3A-8545-888496D1A8EC}">
-  <ds:schemaRefs>
-    <ds:schemaRef ds:uri="http://schemas.microsoft.com/sharepoint/v3/contenttype/forms"/>
-  </ds:schemaRefs>
-</ds:datastoreItem>
+<file path=customXml/item2.xml><?xml version="1.0" encoding="utf-8"?>
+<p:properties xmlns:p="http://schemas.microsoft.com/office/2006/metadata/properties" xmlns:xsi="http://www.w3.org/2001/XMLSchema-instance" xmlns:pc="http://schemas.microsoft.com/office/infopath/2007/PartnerControls">
+  <documentManagement>
+    <MediaServiceKeyPoints xmlns="71af3243-3dd4-4a8d-8c0d-dd76da1f02a5" xsi:nil="true"/>
+  </documentManagement>
+</p:properties>
 </file>
 
-<file path=customXml/itemProps2.xml><?xml version="1.0" encoding="utf-8"?>
-<ds:datastoreItem xmlns:ds="http://schemas.openxmlformats.org/officeDocument/2006/customXml" ds:itemID="{EF609EDA-869E-4BE5-AE5D-B898C584B6FF}">
-  <ds:schemaRefs>
-    <ds:schemaRef ds:uri="http://schemas.microsoft.com/office/2006/metadata/properties"/>
-    <ds:schemaRef ds:uri="http://schemas.microsoft.com/office/infopath/2007/PartnerControls"/>
-    <ds:schemaRef ds:uri="71af3243-3dd4-4a8d-8c0d-dd76da1f02a5"/>
-  </ds:schemaRefs>
-</ds:datastoreItem>
+<file path=customXml/item3.xml><?xml version="1.0" encoding="utf-8"?>
+<?mso-contentType ?>
+<FormTemplates xmlns="http://schemas.microsoft.com/sharepoint/v3/contenttype/forms">
+  <Display>DocumentLibraryForm</Display>
+  <Edit>DocumentLibraryForm</Edit>
+  <New>DocumentLibraryForm</New>
+</FormTemplates>
 </file>
 
-<file path=customXml/itemProps3.xml><?xml version="1.0" encoding="utf-8"?>
+<file path=customXml/itemProps1.xml><?xml version="1.0" encoding="utf-8"?>
 <ds:datastoreItem xmlns:ds="http://schemas.openxmlformats.org/officeDocument/2006/customXml" ds:itemID="{61A00BBF-EEBB-4E18-B8CB-F926EAAC48F7}">
   <ds:schemaRefs>
     <ds:schemaRef ds:uri="http://schemas.microsoft.com/office/2006/metadata/contentType"/>
@@ -28530,4 +28537,22 @@
     <ds:schemaRef ds:uri="http://schemas.microsoft.com/internal/obd"/>
   </ds:schemaRefs>
 </ds:datastoreItem>
+</file>
+
+<file path=customXml/itemProps2.xml><?xml version="1.0" encoding="utf-8"?>
+<ds:datastoreItem xmlns:ds="http://schemas.openxmlformats.org/officeDocument/2006/customXml" ds:itemID="{EF609EDA-869E-4BE5-AE5D-B898C584B6FF}">
+  <ds:schemaRefs>
+    <ds:schemaRef ds:uri="http://schemas.microsoft.com/office/2006/metadata/properties"/>
+    <ds:schemaRef ds:uri="http://schemas.microsoft.com/office/infopath/2007/PartnerControls"/>
+    <ds:schemaRef ds:uri="71af3243-3dd4-4a8d-8c0d-dd76da1f02a5"/>
+  </ds:schemaRefs>
+</ds:datastoreItem>
+</file>
+
+<file path=customXml/itemProps3.xml><?xml version="1.0" encoding="utf-8"?>
+<ds:datastoreItem xmlns:ds="http://schemas.openxmlformats.org/officeDocument/2006/customXml" ds:itemID="{2FD05317-60D6-4B3A-8545-888496D1A8EC}">
+  <ds:schemaRefs>
+    <ds:schemaRef ds:uri="http://schemas.microsoft.com/sharepoint/v3/contenttype/forms"/>
+  </ds:schemaRefs>
+</ds:datastoreItem>
 </file>
--- a/SESIoN Proposal.pptx
+++ b/SESIoN Proposal.pptx
@@ -6520,7 +6520,7 @@
 </file>
 
 <file path=ppt/slides/slide10.xml><?xml version="1.0" encoding="utf-8"?>
-<p:sld xmlns:a="http://schemas.openxmlformats.org/drawingml/2006/main" xmlns:r="http://schemas.openxmlformats.org/officeDocument/2006/relationships" xmlns:p="http://schemas.openxmlformats.org/presentationml/2006/main" show="0">
+<p:sld xmlns:a="http://schemas.openxmlformats.org/drawingml/2006/main" xmlns:r="http://schemas.openxmlformats.org/officeDocument/2006/relationships" xmlns:p="http://schemas.openxmlformats.org/presentationml/2006/main">
   <p:cSld>
     <p:spTree>
       <p:nvGrpSpPr>
@@ -24703,7 +24703,7 @@
 </file>
 
 <file path=ppt/slides/slide5.xml><?xml version="1.0" encoding="utf-8"?>
-<p:sld xmlns:a="http://schemas.openxmlformats.org/drawingml/2006/main" xmlns:r="http://schemas.openxmlformats.org/officeDocument/2006/relationships" xmlns:p="http://schemas.openxmlformats.org/presentationml/2006/main" show="0">
+<p:sld xmlns:a="http://schemas.openxmlformats.org/drawingml/2006/main" xmlns:r="http://schemas.openxmlformats.org/officeDocument/2006/relationships" xmlns:p="http://schemas.openxmlformats.org/presentationml/2006/main">
   <p:cSld>
     <p:spTree>
       <p:nvGrpSpPr>
@@ -25771,7 +25771,7 @@
 </file>
 
 <file path=ppt/slides/slide7.xml><?xml version="1.0" encoding="utf-8"?>
-<p:sld xmlns:a="http://schemas.openxmlformats.org/drawingml/2006/main" xmlns:r="http://schemas.openxmlformats.org/officeDocument/2006/relationships" xmlns:p="http://schemas.openxmlformats.org/presentationml/2006/main" show="0">
+<p:sld xmlns:a="http://schemas.openxmlformats.org/drawingml/2006/main" xmlns:r="http://schemas.openxmlformats.org/officeDocument/2006/relationships" xmlns:p="http://schemas.openxmlformats.org/presentationml/2006/main">
   <p:cSld>
     <p:spTree>
       <p:nvGrpSpPr>
@@ -27057,7 +27057,7 @@
 </file>
 
 <file path=ppt/slides/slide9.xml><?xml version="1.0" encoding="utf-8"?>
-<p:sld xmlns:a="http://schemas.openxmlformats.org/drawingml/2006/main" xmlns:r="http://schemas.openxmlformats.org/officeDocument/2006/relationships" xmlns:p="http://schemas.openxmlformats.org/presentationml/2006/main" show="0">
+<p:sld xmlns:a="http://schemas.openxmlformats.org/drawingml/2006/main" xmlns:r="http://schemas.openxmlformats.org/officeDocument/2006/relationships" xmlns:p="http://schemas.openxmlformats.org/presentationml/2006/main">
   <p:cSld>
     <p:spTree>
       <p:nvGrpSpPr>
@@ -28293,6 +28293,14 @@
 </file>
 
 <file path=customXml/item1.xml><?xml version="1.0" encoding="utf-8"?>
+<p:properties xmlns:p="http://schemas.microsoft.com/office/2006/metadata/properties" xmlns:xsi="http://www.w3.org/2001/XMLSchema-instance" xmlns:pc="http://schemas.microsoft.com/office/infopath/2007/PartnerControls">
+  <documentManagement>
+    <MediaServiceKeyPoints xmlns="71af3243-3dd4-4a8d-8c0d-dd76da1f02a5" xsi:nil="true"/>
+  </documentManagement>
+</p:properties>
+</file>
+
+<file path=customXml/item2.xml><?xml version="1.0" encoding="utf-8"?>
 <ct:contentTypeSchema xmlns:ct="http://schemas.microsoft.com/office/2006/metadata/contentType" xmlns:ma="http://schemas.microsoft.com/office/2006/metadata/properties/metaAttributes" ct:_="" ma:_="" ma:contentTypeName="Document" ma:contentTypeID="0x01010079F111ED35F8CC479449609E8A0923A6" ma:contentTypeVersion="11" ma:contentTypeDescription="Create a new document." ma:contentTypeScope="" ma:versionID="9677210f24a1be23c92c90fd886aa0aa">
   <xsd:schema xmlns:xsd="http://www.w3.org/2001/XMLSchema" xmlns:xs="http://www.w3.org/2001/XMLSchema" xmlns:p="http://schemas.microsoft.com/office/2006/metadata/properties" xmlns:ns2="71af3243-3dd4-4a8d-8c0d-dd76da1f02a5" xmlns:ns3="16c05727-aa75-4e4a-9b5f-8a80a1165891" targetNamespace="http://schemas.microsoft.com/office/2006/metadata/properties" ma:root="true" ma:fieldsID="60e05723c5c1908df1a1a4ebf11d344e" ns2:_="" ns3:_="">
     <xsd:import namespace="71af3243-3dd4-4a8d-8c0d-dd76da1f02a5"/>
@@ -28503,14 +28511,6 @@
 </ct:contentTypeSchema>
 </file>
 
-<file path=customXml/item2.xml><?xml version="1.0" encoding="utf-8"?>
-<p:properties xmlns:p="http://schemas.microsoft.com/office/2006/metadata/properties" xmlns:xsi="http://www.w3.org/2001/XMLSchema-instance" xmlns:pc="http://schemas.microsoft.com/office/infopath/2007/PartnerControls">
-  <documentManagement>
-    <MediaServiceKeyPoints xmlns="71af3243-3dd4-4a8d-8c0d-dd76da1f02a5" xsi:nil="true"/>
-  </documentManagement>
-</p:properties>
-</file>
-
 <file path=customXml/item3.xml><?xml version="1.0" encoding="utf-8"?>
 <?mso-contentType ?>
 <FormTemplates xmlns="http://schemas.microsoft.com/sharepoint/v3/contenttype/forms">
@@ -28521,6 +28521,16 @@
 </file>
 
 <file path=customXml/itemProps1.xml><?xml version="1.0" encoding="utf-8"?>
+<ds:datastoreItem xmlns:ds="http://schemas.openxmlformats.org/officeDocument/2006/customXml" ds:itemID="{EF609EDA-869E-4BE5-AE5D-B898C584B6FF}">
+  <ds:schemaRefs>
+    <ds:schemaRef ds:uri="http://schemas.microsoft.com/office/2006/metadata/properties"/>
+    <ds:schemaRef ds:uri="http://schemas.microsoft.com/office/infopath/2007/PartnerControls"/>
+    <ds:schemaRef ds:uri="71af3243-3dd4-4a8d-8c0d-dd76da1f02a5"/>
+  </ds:schemaRefs>
+</ds:datastoreItem>
+</file>
+
+<file path=customXml/itemProps2.xml><?xml version="1.0" encoding="utf-8"?>
 <ds:datastoreItem xmlns:ds="http://schemas.openxmlformats.org/officeDocument/2006/customXml" ds:itemID="{61A00BBF-EEBB-4E18-B8CB-F926EAAC48F7}">
   <ds:schemaRefs>
     <ds:schemaRef ds:uri="http://schemas.microsoft.com/office/2006/metadata/contentType"/>
@@ -28539,16 +28549,6 @@
 </ds:datastoreItem>
 </file>
 
-<file path=customXml/itemProps2.xml><?xml version="1.0" encoding="utf-8"?>
-<ds:datastoreItem xmlns:ds="http://schemas.openxmlformats.org/officeDocument/2006/customXml" ds:itemID="{EF609EDA-869E-4BE5-AE5D-B898C584B6FF}">
-  <ds:schemaRefs>
-    <ds:schemaRef ds:uri="http://schemas.microsoft.com/office/2006/metadata/properties"/>
-    <ds:schemaRef ds:uri="http://schemas.microsoft.com/office/infopath/2007/PartnerControls"/>
-    <ds:schemaRef ds:uri="71af3243-3dd4-4a8d-8c0d-dd76da1f02a5"/>
-  </ds:schemaRefs>
-</ds:datastoreItem>
-</file>
-
 <file path=customXml/itemProps3.xml><?xml version="1.0" encoding="utf-8"?>
 <ds:datastoreItem xmlns:ds="http://schemas.openxmlformats.org/officeDocument/2006/customXml" ds:itemID="{2FD05317-60D6-4B3A-8545-888496D1A8EC}">
   <ds:schemaRefs>
